--- a/Hypothesis testing with Bayes Factors.pptx
+++ b/Hypothesis testing with Bayes Factors.pptx
@@ -7,11 +7,13 @@
   <p:sldIdLst>
     <p:sldId id="256" r:id="rId2"/>
     <p:sldId id="257" r:id="rId3"/>
-    <p:sldId id="258" r:id="rId4"/>
-    <p:sldId id="259" r:id="rId5"/>
-    <p:sldId id="260" r:id="rId6"/>
-    <p:sldId id="261" r:id="rId7"/>
-    <p:sldId id="262" r:id="rId8"/>
+    <p:sldId id="264" r:id="rId4"/>
+    <p:sldId id="258" r:id="rId5"/>
+    <p:sldId id="259" r:id="rId6"/>
+    <p:sldId id="260" r:id="rId7"/>
+    <p:sldId id="261" r:id="rId8"/>
+    <p:sldId id="262" r:id="rId9"/>
+    <p:sldId id="263" r:id="rId10"/>
   </p:sldIdLst>
   <p:sldSz cx="12192000" cy="6858000"/>
   <p:notesSz cx="6858000" cy="9144000"/>
@@ -110,6 +112,11 @@
       </a:defRPr>
     </a:lvl9pPr>
   </p:defaultTextStyle>
+  <p:extLst>
+    <p:ext uri="{EFAFB233-063F-42B5-8137-9DF3F51BA10A}">
+      <p15:sldGuideLst xmlns:p15="http://schemas.microsoft.com/office/powerpoint/2012/main"/>
+    </p:ext>
+  </p:extLst>
 </p:presentation>
 </file>
 
@@ -262,7 +269,7 @@
           <a:p>
             <a:fld id="{E24E617C-3EB2-4C64-ACD8-A30D7C36730F}" type="datetimeFigureOut">
               <a:rPr lang="en-GB" smtClean="0"/>
-              <a:t>30/04/2021</a:t>
+              <a:t>10/05/2021</a:t>
             </a:fld>
             <a:endParaRPr lang="en-GB"/>
           </a:p>
@@ -462,7 +469,7 @@
           <a:p>
             <a:fld id="{E24E617C-3EB2-4C64-ACD8-A30D7C36730F}" type="datetimeFigureOut">
               <a:rPr lang="en-GB" smtClean="0"/>
-              <a:t>30/04/2021</a:t>
+              <a:t>10/05/2021</a:t>
             </a:fld>
             <a:endParaRPr lang="en-GB"/>
           </a:p>
@@ -672,7 +679,7 @@
           <a:p>
             <a:fld id="{E24E617C-3EB2-4C64-ACD8-A30D7C36730F}" type="datetimeFigureOut">
               <a:rPr lang="en-GB" smtClean="0"/>
-              <a:t>30/04/2021</a:t>
+              <a:t>10/05/2021</a:t>
             </a:fld>
             <a:endParaRPr lang="en-GB"/>
           </a:p>
@@ -872,7 +879,7 @@
           <a:p>
             <a:fld id="{E24E617C-3EB2-4C64-ACD8-A30D7C36730F}" type="datetimeFigureOut">
               <a:rPr lang="en-GB" smtClean="0"/>
-              <a:t>30/04/2021</a:t>
+              <a:t>10/05/2021</a:t>
             </a:fld>
             <a:endParaRPr lang="en-GB"/>
           </a:p>
@@ -1148,7 +1155,7 @@
           <a:p>
             <a:fld id="{E24E617C-3EB2-4C64-ACD8-A30D7C36730F}" type="datetimeFigureOut">
               <a:rPr lang="en-GB" smtClean="0"/>
-              <a:t>30/04/2021</a:t>
+              <a:t>10/05/2021</a:t>
             </a:fld>
             <a:endParaRPr lang="en-GB"/>
           </a:p>
@@ -1416,7 +1423,7 @@
           <a:p>
             <a:fld id="{E24E617C-3EB2-4C64-ACD8-A30D7C36730F}" type="datetimeFigureOut">
               <a:rPr lang="en-GB" smtClean="0"/>
-              <a:t>30/04/2021</a:t>
+              <a:t>10/05/2021</a:t>
             </a:fld>
             <a:endParaRPr lang="en-GB"/>
           </a:p>
@@ -1831,7 +1838,7 @@
           <a:p>
             <a:fld id="{E24E617C-3EB2-4C64-ACD8-A30D7C36730F}" type="datetimeFigureOut">
               <a:rPr lang="en-GB" smtClean="0"/>
-              <a:t>30/04/2021</a:t>
+              <a:t>10/05/2021</a:t>
             </a:fld>
             <a:endParaRPr lang="en-GB"/>
           </a:p>
@@ -1973,7 +1980,7 @@
           <a:p>
             <a:fld id="{E24E617C-3EB2-4C64-ACD8-A30D7C36730F}" type="datetimeFigureOut">
               <a:rPr lang="en-GB" smtClean="0"/>
-              <a:t>30/04/2021</a:t>
+              <a:t>10/05/2021</a:t>
             </a:fld>
             <a:endParaRPr lang="en-GB"/>
           </a:p>
@@ -2086,7 +2093,7 @@
           <a:p>
             <a:fld id="{E24E617C-3EB2-4C64-ACD8-A30D7C36730F}" type="datetimeFigureOut">
               <a:rPr lang="en-GB" smtClean="0"/>
-              <a:t>30/04/2021</a:t>
+              <a:t>10/05/2021</a:t>
             </a:fld>
             <a:endParaRPr lang="en-GB"/>
           </a:p>
@@ -2399,7 +2406,7 @@
           <a:p>
             <a:fld id="{E24E617C-3EB2-4C64-ACD8-A30D7C36730F}" type="datetimeFigureOut">
               <a:rPr lang="en-GB" smtClean="0"/>
-              <a:t>30/04/2021</a:t>
+              <a:t>10/05/2021</a:t>
             </a:fld>
             <a:endParaRPr lang="en-GB"/>
           </a:p>
@@ -2688,7 +2695,7 @@
           <a:p>
             <a:fld id="{E24E617C-3EB2-4C64-ACD8-A30D7C36730F}" type="datetimeFigureOut">
               <a:rPr lang="en-GB" smtClean="0"/>
-              <a:t>30/04/2021</a:t>
+              <a:t>10/05/2021</a:t>
             </a:fld>
             <a:endParaRPr lang="en-GB"/>
           </a:p>
@@ -2931,7 +2938,7 @@
           <a:p>
             <a:fld id="{E24E617C-3EB2-4C64-ACD8-A30D7C36730F}" type="datetimeFigureOut">
               <a:rPr lang="en-GB" smtClean="0"/>
-              <a:t>30/04/2021</a:t>
+              <a:t>10/05/2021</a:t>
             </a:fld>
             <a:endParaRPr lang="en-GB"/>
           </a:p>
@@ -3516,7 +3523,7 @@
             <p:spPr/>
             <p:txBody>
               <a:bodyPr>
-                <a:normAutofit lnSpcReduction="10000"/>
+                <a:normAutofit/>
               </a:bodyPr>
               <a:lstStyle/>
               <a:p>
@@ -3801,151 +3808,9 @@
                 <a:endParaRPr lang="en-GB" sz="2400" dirty="0"/>
               </a:p>
               <a:p>
-                <a14:m>
-                  <m:oMath xmlns:m="http://schemas.openxmlformats.org/officeDocument/2006/math">
-                    <m:f>
-                      <m:fPr>
-                        <m:ctrlPr>
-                          <a:rPr lang="en-GB" sz="2200" i="1" smtClean="0">
-                            <a:latin typeface="Cambria Math" panose="02040503050406030204" pitchFamily="18" charset="0"/>
-                          </a:rPr>
-                        </m:ctrlPr>
-                      </m:fPr>
-                      <m:num>
-                        <m:r>
-                          <a:rPr lang="en-GB" sz="2200" b="0" i="1" smtClean="0">
-                            <a:latin typeface="Cambria Math" panose="02040503050406030204" pitchFamily="18" charset="0"/>
-                          </a:rPr>
-                          <m:t>𝑃</m:t>
-                        </m:r>
-                        <m:r>
-                          <a:rPr lang="en-GB" sz="2200" b="0" i="1" smtClean="0">
-                            <a:latin typeface="Cambria Math" panose="02040503050406030204" pitchFamily="18" charset="0"/>
-                          </a:rPr>
-                          <m:t>(</m:t>
-                        </m:r>
-                        <m:sSub>
-                          <m:sSubPr>
-                            <m:ctrlPr>
-                              <a:rPr lang="en-GB" sz="2200" b="0" i="1" smtClean="0">
-                                <a:latin typeface="Cambria Math" panose="02040503050406030204" pitchFamily="18" charset="0"/>
-                              </a:rPr>
-                            </m:ctrlPr>
-                          </m:sSubPr>
-                          <m:e>
-                            <m:r>
-                              <a:rPr lang="en-GB" sz="2200" b="0" i="1" smtClean="0">
-                                <a:latin typeface="Cambria Math" panose="02040503050406030204" pitchFamily="18" charset="0"/>
-                              </a:rPr>
-                              <m:t>𝐻</m:t>
-                            </m:r>
-                          </m:e>
-                          <m:sub>
-                            <m:r>
-                              <a:rPr lang="en-GB" sz="2200" b="0" i="1" smtClean="0">
-                                <a:latin typeface="Cambria Math" panose="02040503050406030204" pitchFamily="18" charset="0"/>
-                              </a:rPr>
-                              <m:t>𝐴</m:t>
-                            </m:r>
-                          </m:sub>
-                        </m:sSub>
-                        <m:r>
-                          <a:rPr lang="en-GB" sz="2200" b="0" i="1" smtClean="0">
-                            <a:latin typeface="Cambria Math" panose="02040503050406030204" pitchFamily="18" charset="0"/>
-                          </a:rPr>
-                          <m:t>|</m:t>
-                        </m:r>
-                        <m:r>
-                          <a:rPr lang="en-GB" sz="2200" b="0" i="1" smtClean="0">
-                            <a:latin typeface="Cambria Math" panose="02040503050406030204" pitchFamily="18" charset="0"/>
-                          </a:rPr>
-                          <m:t>𝑑</m:t>
-                        </m:r>
-                        <m:r>
-                          <a:rPr lang="en-GB" sz="2200" b="0" i="1" smtClean="0">
-                            <a:latin typeface="Cambria Math" panose="02040503050406030204" pitchFamily="18" charset="0"/>
-                          </a:rPr>
-                          <m:t>)</m:t>
-                        </m:r>
-                      </m:num>
-                      <m:den>
-                        <m:r>
-                          <a:rPr lang="en-GB" sz="2200" b="0" i="1" smtClean="0">
-                            <a:latin typeface="Cambria Math" panose="02040503050406030204" pitchFamily="18" charset="0"/>
-                          </a:rPr>
-                          <m:t>𝑃</m:t>
-                        </m:r>
-                        <m:r>
-                          <a:rPr lang="en-GB" sz="2200" b="0" i="1" smtClean="0">
-                            <a:latin typeface="Cambria Math" panose="02040503050406030204" pitchFamily="18" charset="0"/>
-                          </a:rPr>
-                          <m:t>(</m:t>
-                        </m:r>
-                        <m:sSub>
-                          <m:sSubPr>
-                            <m:ctrlPr>
-                              <a:rPr lang="en-GB" sz="2200" b="0" i="1" smtClean="0">
-                                <a:latin typeface="Cambria Math" panose="02040503050406030204" pitchFamily="18" charset="0"/>
-                              </a:rPr>
-                            </m:ctrlPr>
-                          </m:sSubPr>
-                          <m:e>
-                            <m:r>
-                              <a:rPr lang="en-GB" sz="2200" b="0" i="1" smtClean="0">
-                                <a:latin typeface="Cambria Math" panose="02040503050406030204" pitchFamily="18" charset="0"/>
-                              </a:rPr>
-                              <m:t>𝐻</m:t>
-                            </m:r>
-                          </m:e>
-                          <m:sub>
-                            <m:r>
-                              <a:rPr lang="en-GB" sz="2200" b="0" i="1" smtClean="0">
-                                <a:latin typeface="Cambria Math" panose="02040503050406030204" pitchFamily="18" charset="0"/>
-                              </a:rPr>
-                              <m:t>𝐵</m:t>
-                            </m:r>
-                          </m:sub>
-                        </m:sSub>
-                        <m:r>
-                          <a:rPr lang="en-GB" sz="2200" b="0" i="1" smtClean="0">
-                            <a:latin typeface="Cambria Math" panose="02040503050406030204" pitchFamily="18" charset="0"/>
-                          </a:rPr>
-                          <m:t>|</m:t>
-                        </m:r>
-                        <m:r>
-                          <a:rPr lang="en-GB" sz="2200" b="0" i="1" smtClean="0">
-                            <a:latin typeface="Cambria Math" panose="02040503050406030204" pitchFamily="18" charset="0"/>
-                          </a:rPr>
-                          <m:t>𝑑</m:t>
-                        </m:r>
-                        <m:r>
-                          <a:rPr lang="en-GB" sz="2200" b="0" i="1" smtClean="0">
-                            <a:latin typeface="Cambria Math" panose="02040503050406030204" pitchFamily="18" charset="0"/>
-                          </a:rPr>
-                          <m:t>)</m:t>
-                        </m:r>
-                      </m:den>
-                    </m:f>
-                  </m:oMath>
-                </a14:m>
-                <a:r>
-                  <a:rPr lang="en-GB" sz="2200" dirty="0"/>
-                  <a:t> is called the </a:t>
-                </a:r>
-                <a:r>
-                  <a:rPr lang="en-GB" sz="2200" dirty="0">
-                    <a:solidFill>
-                      <a:srgbClr val="FF0000"/>
-                    </a:solidFill>
-                  </a:rPr>
-                  <a:t>Bayes Factor</a:t>
-                </a:r>
-                <a:r>
-                  <a:rPr lang="en-GB" sz="2200" dirty="0"/>
-                  <a:t> of the two hypotheses</a:t>
-                </a:r>
-              </a:p>
-              <a:p>
+                <a:pPr marL="0" indent="0">
+                  <a:buNone/>
+                </a:pPr>
                 <a:endParaRPr lang="en-GB" dirty="0"/>
               </a:p>
             </p:txBody>
@@ -3972,7 +3837,7 @@
               <a:blipFill>
                 <a:blip r:embed="rId2"/>
                 <a:stretch>
-                  <a:fillRect l="-812" t="-2661" r="-290"/>
+                  <a:fillRect l="-812" t="-1961" r="-290"/>
                 </a:stretch>
               </a:blipFill>
             </p:spPr>
@@ -4365,55 +4230,6 @@
                       </p:childTnLst>
                     </p:cTn>
                   </p:par>
-                  <p:par>
-                    <p:cTn id="31" fill="hold">
-                      <p:stCondLst>
-                        <p:cond delay="indefinite"/>
-                      </p:stCondLst>
-                      <p:childTnLst>
-                        <p:par>
-                          <p:cTn id="32" fill="hold">
-                            <p:stCondLst>
-                              <p:cond delay="0"/>
-                            </p:stCondLst>
-                            <p:childTnLst>
-                              <p:par>
-                                <p:cTn id="33" presetID="1" presetClass="entr" presetSubtype="0" fill="hold" grpId="0" nodeType="clickEffect">
-                                  <p:stCondLst>
-                                    <p:cond delay="0"/>
-                                  </p:stCondLst>
-                                  <p:childTnLst>
-                                    <p:set>
-                                      <p:cBhvr>
-                                        <p:cTn id="34" dur="1" fill="hold">
-                                          <p:stCondLst>
-                                            <p:cond delay="0"/>
-                                          </p:stCondLst>
-                                        </p:cTn>
-                                        <p:tgtEl>
-                                          <p:spTgt spid="3">
-                                            <p:txEl>
-                                              <p:pRg st="8" end="8"/>
-                                            </p:txEl>
-                                          </p:spTgt>
-                                        </p:tgtEl>
-                                        <p:attrNameLst>
-                                          <p:attrName>style.visibility</p:attrName>
-                                        </p:attrNameLst>
-                                      </p:cBhvr>
-                                      <p:to>
-                                        <p:strVal val="visible"/>
-                                      </p:to>
-                                    </p:set>
-                                  </p:childTnLst>
-                                </p:cTn>
-                              </p:par>
-                            </p:childTnLst>
-                          </p:cTn>
-                        </p:par>
-                      </p:childTnLst>
-                    </p:cTn>
-                  </p:par>
                 </p:childTnLst>
               </p:cTn>
               <p:prevCondLst>
@@ -4464,6 +4280,845 @@
           <p:cNvPr id="2" name="Title 1">
             <a:extLst>
               <a:ext uri="{FF2B5EF4-FFF2-40B4-BE49-F238E27FC236}">
+                <a16:creationId xmlns:a16="http://schemas.microsoft.com/office/drawing/2014/main" id="{8CE5F830-C425-4F84-B020-4800D752A154}"/>
+              </a:ext>
+            </a:extLst>
+          </p:cNvPr>
+          <p:cNvSpPr>
+            <a:spLocks noGrp="1"/>
+          </p:cNvSpPr>
+          <p:nvPr>
+            <p:ph type="title"/>
+          </p:nvPr>
+        </p:nvSpPr>
+        <p:spPr/>
+        <p:txBody>
+          <a:bodyPr/>
+          <a:lstStyle/>
+          <a:p>
+            <a:r>
+              <a:rPr lang="en-GB" dirty="0"/>
+              <a:t>Bayes Factor</a:t>
+            </a:r>
+          </a:p>
+        </p:txBody>
+      </p:sp>
+      <mc:AlternateContent xmlns:mc="http://schemas.openxmlformats.org/markup-compatibility/2006">
+        <mc:Choice xmlns:a14="http://schemas.microsoft.com/office/drawing/2010/main" Requires="a14">
+          <p:sp>
+            <p:nvSpPr>
+              <p:cNvPr id="3" name="Content Placeholder 2">
+                <a:extLst>
+                  <a:ext uri="{FF2B5EF4-FFF2-40B4-BE49-F238E27FC236}">
+                    <a16:creationId xmlns:a16="http://schemas.microsoft.com/office/drawing/2014/main" id="{54249909-118C-4424-A192-9255F3DF6B9A}"/>
+                  </a:ext>
+                </a:extLst>
+              </p:cNvPr>
+              <p:cNvSpPr>
+                <a:spLocks noGrp="1"/>
+              </p:cNvSpPr>
+              <p:nvPr>
+                <p:ph idx="1"/>
+              </p:nvPr>
+            </p:nvSpPr>
+            <p:spPr/>
+            <p:txBody>
+              <a:bodyPr/>
+              <a:lstStyle/>
+              <a:p>
+                <a:r>
+                  <a:rPr lang="en-GB" dirty="0"/>
+                  <a:t>You don’t actually know </a:t>
+                </a:r>
+                <a14:m>
+                  <m:oMath xmlns:m="http://schemas.openxmlformats.org/officeDocument/2006/math">
+                    <m:f>
+                      <m:fPr>
+                        <m:ctrlPr>
+                          <a:rPr lang="en-GB" sz="2800" i="1" smtClean="0">
+                            <a:latin typeface="Cambria Math" panose="02040503050406030204" pitchFamily="18" charset="0"/>
+                          </a:rPr>
+                        </m:ctrlPr>
+                      </m:fPr>
+                      <m:num>
+                        <m:r>
+                          <a:rPr lang="en-GB" sz="2800" b="0" i="1" smtClean="0">
+                            <a:latin typeface="Cambria Math" panose="02040503050406030204" pitchFamily="18" charset="0"/>
+                          </a:rPr>
+                          <m:t>𝑃</m:t>
+                        </m:r>
+                        <m:r>
+                          <a:rPr lang="en-GB" sz="2800" b="0" i="1" smtClean="0">
+                            <a:latin typeface="Cambria Math" panose="02040503050406030204" pitchFamily="18" charset="0"/>
+                          </a:rPr>
+                          <m:t>(</m:t>
+                        </m:r>
+                        <m:sSub>
+                          <m:sSubPr>
+                            <m:ctrlPr>
+                              <a:rPr lang="en-GB" sz="2800" b="0" i="1" smtClean="0">
+                                <a:latin typeface="Cambria Math" panose="02040503050406030204" pitchFamily="18" charset="0"/>
+                              </a:rPr>
+                            </m:ctrlPr>
+                          </m:sSubPr>
+                          <m:e>
+                            <m:r>
+                              <a:rPr lang="en-GB" sz="2800" b="0" i="1" smtClean="0">
+                                <a:latin typeface="Cambria Math" panose="02040503050406030204" pitchFamily="18" charset="0"/>
+                              </a:rPr>
+                              <m:t>𝐻</m:t>
+                            </m:r>
+                          </m:e>
+                          <m:sub>
+                            <m:r>
+                              <a:rPr lang="en-GB" sz="2800" b="0" i="1" smtClean="0">
+                                <a:latin typeface="Cambria Math" panose="02040503050406030204" pitchFamily="18" charset="0"/>
+                              </a:rPr>
+                              <m:t>𝐴</m:t>
+                            </m:r>
+                          </m:sub>
+                        </m:sSub>
+                        <m:r>
+                          <a:rPr lang="en-GB" sz="2800" b="0" i="1" smtClean="0">
+                            <a:latin typeface="Cambria Math" panose="02040503050406030204" pitchFamily="18" charset="0"/>
+                          </a:rPr>
+                          <m:t>|</m:t>
+                        </m:r>
+                        <m:r>
+                          <a:rPr lang="en-GB" sz="2800" b="0" i="1" smtClean="0">
+                            <a:latin typeface="Cambria Math" panose="02040503050406030204" pitchFamily="18" charset="0"/>
+                          </a:rPr>
+                          <m:t>𝑑</m:t>
+                        </m:r>
+                        <m:r>
+                          <a:rPr lang="en-GB" sz="2800" b="0" i="1" smtClean="0">
+                            <a:latin typeface="Cambria Math" panose="02040503050406030204" pitchFamily="18" charset="0"/>
+                          </a:rPr>
+                          <m:t>)</m:t>
+                        </m:r>
+                      </m:num>
+                      <m:den>
+                        <m:r>
+                          <a:rPr lang="en-GB" sz="2800" b="0" i="1" smtClean="0">
+                            <a:latin typeface="Cambria Math" panose="02040503050406030204" pitchFamily="18" charset="0"/>
+                          </a:rPr>
+                          <m:t>𝑃</m:t>
+                        </m:r>
+                        <m:r>
+                          <a:rPr lang="en-GB" sz="2800" b="0" i="1" smtClean="0">
+                            <a:latin typeface="Cambria Math" panose="02040503050406030204" pitchFamily="18" charset="0"/>
+                          </a:rPr>
+                          <m:t>(</m:t>
+                        </m:r>
+                        <m:sSub>
+                          <m:sSubPr>
+                            <m:ctrlPr>
+                              <a:rPr lang="en-GB" sz="2800" b="0" i="1" smtClean="0">
+                                <a:latin typeface="Cambria Math" panose="02040503050406030204" pitchFamily="18" charset="0"/>
+                              </a:rPr>
+                            </m:ctrlPr>
+                          </m:sSubPr>
+                          <m:e>
+                            <m:r>
+                              <a:rPr lang="en-GB" sz="2800" b="0" i="1" smtClean="0">
+                                <a:latin typeface="Cambria Math" panose="02040503050406030204" pitchFamily="18" charset="0"/>
+                              </a:rPr>
+                              <m:t>𝐻</m:t>
+                            </m:r>
+                          </m:e>
+                          <m:sub>
+                            <m:r>
+                              <a:rPr lang="en-GB" sz="2800" b="0" i="1" smtClean="0">
+                                <a:latin typeface="Cambria Math" panose="02040503050406030204" pitchFamily="18" charset="0"/>
+                              </a:rPr>
+                              <m:t>𝐵</m:t>
+                            </m:r>
+                          </m:sub>
+                        </m:sSub>
+                        <m:r>
+                          <a:rPr lang="en-GB" sz="2800" b="0" i="1" smtClean="0">
+                            <a:latin typeface="Cambria Math" panose="02040503050406030204" pitchFamily="18" charset="0"/>
+                          </a:rPr>
+                          <m:t>|</m:t>
+                        </m:r>
+                        <m:r>
+                          <a:rPr lang="en-GB" sz="2800" b="0" i="1" smtClean="0">
+                            <a:latin typeface="Cambria Math" panose="02040503050406030204" pitchFamily="18" charset="0"/>
+                          </a:rPr>
+                          <m:t>𝑑</m:t>
+                        </m:r>
+                        <m:r>
+                          <a:rPr lang="en-GB" sz="2800" b="0" i="1" smtClean="0">
+                            <a:latin typeface="Cambria Math" panose="02040503050406030204" pitchFamily="18" charset="0"/>
+                          </a:rPr>
+                          <m:t>)</m:t>
+                        </m:r>
+                      </m:den>
+                    </m:f>
+                  </m:oMath>
+                </a14:m>
+                <a:r>
+                  <a:rPr lang="en-GB" sz="2800" dirty="0"/>
+                  <a:t> </a:t>
+                </a:r>
+              </a:p>
+              <a:p>
+                <a:r>
+                  <a:rPr lang="en-GB" dirty="0"/>
+                  <a:t>But, by </a:t>
+                </a:r>
+                <a:r>
+                  <a:rPr lang="en-GB" dirty="0" err="1"/>
+                  <a:t>Bayes’s</a:t>
+                </a:r>
+                <a:r>
+                  <a:rPr lang="en-GB" dirty="0"/>
+                  <a:t> theorem:</a:t>
+                </a:r>
+                <a:br>
+                  <a:rPr lang="en-GB" dirty="0"/>
+                </a:br>
+                <a14:m>
+                  <m:oMath xmlns:m="http://schemas.openxmlformats.org/officeDocument/2006/math">
+                    <m:f>
+                      <m:fPr>
+                        <m:ctrlPr>
+                          <a:rPr lang="en-GB" i="1" smtClean="0">
+                            <a:latin typeface="Cambria Math" panose="02040503050406030204" pitchFamily="18" charset="0"/>
+                          </a:rPr>
+                        </m:ctrlPr>
+                      </m:fPr>
+                      <m:num>
+                        <m:r>
+                          <a:rPr lang="en-GB" b="0" i="1" smtClean="0">
+                            <a:latin typeface="Cambria Math" panose="02040503050406030204" pitchFamily="18" charset="0"/>
+                          </a:rPr>
+                          <m:t>𝑃</m:t>
+                        </m:r>
+                        <m:r>
+                          <a:rPr lang="en-GB" b="0" i="1" smtClean="0">
+                            <a:latin typeface="Cambria Math" panose="02040503050406030204" pitchFamily="18" charset="0"/>
+                          </a:rPr>
+                          <m:t>(</m:t>
+                        </m:r>
+                        <m:sSub>
+                          <m:sSubPr>
+                            <m:ctrlPr>
+                              <a:rPr lang="en-GB" b="0" i="1" smtClean="0">
+                                <a:latin typeface="Cambria Math" panose="02040503050406030204" pitchFamily="18" charset="0"/>
+                              </a:rPr>
+                            </m:ctrlPr>
+                          </m:sSubPr>
+                          <m:e>
+                            <m:r>
+                              <a:rPr lang="en-GB" b="0" i="1" smtClean="0">
+                                <a:latin typeface="Cambria Math" panose="02040503050406030204" pitchFamily="18" charset="0"/>
+                              </a:rPr>
+                              <m:t>𝐻</m:t>
+                            </m:r>
+                          </m:e>
+                          <m:sub>
+                            <m:r>
+                              <a:rPr lang="en-GB" b="0" i="1" smtClean="0">
+                                <a:latin typeface="Cambria Math" panose="02040503050406030204" pitchFamily="18" charset="0"/>
+                              </a:rPr>
+                              <m:t>𝐴</m:t>
+                            </m:r>
+                          </m:sub>
+                        </m:sSub>
+                        <m:r>
+                          <a:rPr lang="en-GB" b="0" i="1" smtClean="0">
+                            <a:latin typeface="Cambria Math" panose="02040503050406030204" pitchFamily="18" charset="0"/>
+                          </a:rPr>
+                          <m:t>|</m:t>
+                        </m:r>
+                        <m:r>
+                          <a:rPr lang="en-GB" b="0" i="1" smtClean="0">
+                            <a:latin typeface="Cambria Math" panose="02040503050406030204" pitchFamily="18" charset="0"/>
+                          </a:rPr>
+                          <m:t>𝑑</m:t>
+                        </m:r>
+                        <m:r>
+                          <a:rPr lang="en-GB" b="0" i="1" smtClean="0">
+                            <a:latin typeface="Cambria Math" panose="02040503050406030204" pitchFamily="18" charset="0"/>
+                          </a:rPr>
+                          <m:t>)</m:t>
+                        </m:r>
+                      </m:num>
+                      <m:den>
+                        <m:r>
+                          <a:rPr lang="en-GB" b="0" i="1" smtClean="0">
+                            <a:latin typeface="Cambria Math" panose="02040503050406030204" pitchFamily="18" charset="0"/>
+                          </a:rPr>
+                          <m:t>𝑃</m:t>
+                        </m:r>
+                        <m:r>
+                          <a:rPr lang="en-GB" b="0" i="1" smtClean="0">
+                            <a:latin typeface="Cambria Math" panose="02040503050406030204" pitchFamily="18" charset="0"/>
+                          </a:rPr>
+                          <m:t>(</m:t>
+                        </m:r>
+                        <m:sSub>
+                          <m:sSubPr>
+                            <m:ctrlPr>
+                              <a:rPr lang="en-GB" b="0" i="1" smtClean="0">
+                                <a:latin typeface="Cambria Math" panose="02040503050406030204" pitchFamily="18" charset="0"/>
+                              </a:rPr>
+                            </m:ctrlPr>
+                          </m:sSubPr>
+                          <m:e>
+                            <m:r>
+                              <a:rPr lang="en-GB" b="0" i="1" smtClean="0">
+                                <a:latin typeface="Cambria Math" panose="02040503050406030204" pitchFamily="18" charset="0"/>
+                              </a:rPr>
+                              <m:t>𝐻</m:t>
+                            </m:r>
+                          </m:e>
+                          <m:sub>
+                            <m:r>
+                              <a:rPr lang="en-GB" b="0" i="1" smtClean="0">
+                                <a:latin typeface="Cambria Math" panose="02040503050406030204" pitchFamily="18" charset="0"/>
+                              </a:rPr>
+                              <m:t>𝐵</m:t>
+                            </m:r>
+                          </m:sub>
+                        </m:sSub>
+                        <m:r>
+                          <a:rPr lang="en-GB" b="0" i="1" smtClean="0">
+                            <a:latin typeface="Cambria Math" panose="02040503050406030204" pitchFamily="18" charset="0"/>
+                          </a:rPr>
+                          <m:t>|</m:t>
+                        </m:r>
+                        <m:r>
+                          <a:rPr lang="en-GB" b="0" i="1" smtClean="0">
+                            <a:latin typeface="Cambria Math" panose="02040503050406030204" pitchFamily="18" charset="0"/>
+                          </a:rPr>
+                          <m:t>𝑑</m:t>
+                        </m:r>
+                        <m:r>
+                          <a:rPr lang="en-GB" b="0" i="1" smtClean="0">
+                            <a:latin typeface="Cambria Math" panose="02040503050406030204" pitchFamily="18" charset="0"/>
+                          </a:rPr>
+                          <m:t>)</m:t>
+                        </m:r>
+                      </m:den>
+                    </m:f>
+                    <m:r>
+                      <a:rPr lang="en-GB" b="0" i="1" smtClean="0">
+                        <a:latin typeface="Cambria Math" panose="02040503050406030204" pitchFamily="18" charset="0"/>
+                      </a:rPr>
+                      <m:t>= </m:t>
+                    </m:r>
+                    <m:f>
+                      <m:fPr>
+                        <m:ctrlPr>
+                          <a:rPr lang="en-GB" b="0" i="1" smtClean="0">
+                            <a:latin typeface="Cambria Math" panose="02040503050406030204" pitchFamily="18" charset="0"/>
+                          </a:rPr>
+                        </m:ctrlPr>
+                      </m:fPr>
+                      <m:num>
+                        <m:r>
+                          <a:rPr lang="en-GB" b="0" i="1" smtClean="0">
+                            <a:latin typeface="Cambria Math" panose="02040503050406030204" pitchFamily="18" charset="0"/>
+                          </a:rPr>
+                          <m:t>𝑃</m:t>
+                        </m:r>
+                        <m:r>
+                          <a:rPr lang="en-GB" b="0" i="1" smtClean="0">
+                            <a:latin typeface="Cambria Math" panose="02040503050406030204" pitchFamily="18" charset="0"/>
+                          </a:rPr>
+                          <m:t>(</m:t>
+                        </m:r>
+                        <m:sSub>
+                          <m:sSubPr>
+                            <m:ctrlPr>
+                              <a:rPr lang="en-GB" b="0" i="1" smtClean="0">
+                                <a:latin typeface="Cambria Math" panose="02040503050406030204" pitchFamily="18" charset="0"/>
+                              </a:rPr>
+                            </m:ctrlPr>
+                          </m:sSubPr>
+                          <m:e>
+                            <m:r>
+                              <a:rPr lang="en-GB" b="0" i="1" smtClean="0">
+                                <a:latin typeface="Cambria Math" panose="02040503050406030204" pitchFamily="18" charset="0"/>
+                              </a:rPr>
+                              <m:t>𝐻</m:t>
+                            </m:r>
+                          </m:e>
+                          <m:sub>
+                            <m:r>
+                              <a:rPr lang="en-GB" b="0" i="1" smtClean="0">
+                                <a:latin typeface="Cambria Math" panose="02040503050406030204" pitchFamily="18" charset="0"/>
+                              </a:rPr>
+                              <m:t>𝐴</m:t>
+                            </m:r>
+                          </m:sub>
+                        </m:sSub>
+                        <m:r>
+                          <a:rPr lang="en-GB" b="0" i="1" smtClean="0">
+                            <a:latin typeface="Cambria Math" panose="02040503050406030204" pitchFamily="18" charset="0"/>
+                          </a:rPr>
+                          <m:t>)</m:t>
+                        </m:r>
+                      </m:num>
+                      <m:den>
+                        <m:r>
+                          <a:rPr lang="en-GB" b="0" i="1" smtClean="0">
+                            <a:latin typeface="Cambria Math" panose="02040503050406030204" pitchFamily="18" charset="0"/>
+                          </a:rPr>
+                          <m:t>𝑃</m:t>
+                        </m:r>
+                        <m:r>
+                          <a:rPr lang="en-GB" b="0" i="1" smtClean="0">
+                            <a:latin typeface="Cambria Math" panose="02040503050406030204" pitchFamily="18" charset="0"/>
+                          </a:rPr>
+                          <m:t>(</m:t>
+                        </m:r>
+                        <m:sSub>
+                          <m:sSubPr>
+                            <m:ctrlPr>
+                              <a:rPr lang="en-GB" b="0" i="1" smtClean="0">
+                                <a:latin typeface="Cambria Math" panose="02040503050406030204" pitchFamily="18" charset="0"/>
+                              </a:rPr>
+                            </m:ctrlPr>
+                          </m:sSubPr>
+                          <m:e>
+                            <m:r>
+                              <a:rPr lang="en-GB" b="0" i="1" smtClean="0">
+                                <a:latin typeface="Cambria Math" panose="02040503050406030204" pitchFamily="18" charset="0"/>
+                              </a:rPr>
+                              <m:t>𝐻</m:t>
+                            </m:r>
+                          </m:e>
+                          <m:sub>
+                            <m:r>
+                              <a:rPr lang="en-GB" b="0" i="1" smtClean="0">
+                                <a:latin typeface="Cambria Math" panose="02040503050406030204" pitchFamily="18" charset="0"/>
+                              </a:rPr>
+                              <m:t>𝐵</m:t>
+                            </m:r>
+                            <m:r>
+                              <a:rPr lang="en-GB" b="0" i="1" smtClean="0">
+                                <a:latin typeface="Cambria Math" panose="02040503050406030204" pitchFamily="18" charset="0"/>
+                              </a:rPr>
+                              <m:t>)</m:t>
+                            </m:r>
+                          </m:sub>
+                        </m:sSub>
+                      </m:den>
+                    </m:f>
+                    <m:r>
+                      <a:rPr lang="en-GB" i="1">
+                        <a:latin typeface="Cambria Math" panose="02040503050406030204" pitchFamily="18" charset="0"/>
+                        <a:ea typeface="Cambria Math" panose="02040503050406030204" pitchFamily="18" charset="0"/>
+                      </a:rPr>
+                      <m:t>∙</m:t>
+                    </m:r>
+                    <m:f>
+                      <m:fPr>
+                        <m:ctrlPr>
+                          <a:rPr lang="en-GB" i="1" smtClean="0">
+                            <a:latin typeface="Cambria Math" panose="02040503050406030204" pitchFamily="18" charset="0"/>
+                            <a:ea typeface="Cambria Math" panose="02040503050406030204" pitchFamily="18" charset="0"/>
+                          </a:rPr>
+                        </m:ctrlPr>
+                      </m:fPr>
+                      <m:num>
+                        <m:r>
+                          <a:rPr lang="en-GB" b="0" i="1" smtClean="0">
+                            <a:latin typeface="Cambria Math" panose="02040503050406030204" pitchFamily="18" charset="0"/>
+                            <a:ea typeface="Cambria Math" panose="02040503050406030204" pitchFamily="18" charset="0"/>
+                          </a:rPr>
+                          <m:t>𝑃</m:t>
+                        </m:r>
+                        <m:d>
+                          <m:dPr>
+                            <m:ctrlPr>
+                              <a:rPr lang="en-GB" b="0" i="1" smtClean="0">
+                                <a:latin typeface="Cambria Math" panose="02040503050406030204" pitchFamily="18" charset="0"/>
+                                <a:ea typeface="Cambria Math" panose="02040503050406030204" pitchFamily="18" charset="0"/>
+                              </a:rPr>
+                            </m:ctrlPr>
+                          </m:dPr>
+                          <m:e>
+                            <m:r>
+                              <a:rPr lang="en-GB" b="0" i="1" smtClean="0">
+                                <a:latin typeface="Cambria Math" panose="02040503050406030204" pitchFamily="18" charset="0"/>
+                                <a:ea typeface="Cambria Math" panose="02040503050406030204" pitchFamily="18" charset="0"/>
+                              </a:rPr>
+                              <m:t>𝑑</m:t>
+                            </m:r>
+                          </m:e>
+                          <m:e>
+                            <m:sSub>
+                              <m:sSubPr>
+                                <m:ctrlPr>
+                                  <a:rPr lang="en-GB" b="0" i="1" smtClean="0">
+                                    <a:latin typeface="Cambria Math" panose="02040503050406030204" pitchFamily="18" charset="0"/>
+                                    <a:ea typeface="Cambria Math" panose="02040503050406030204" pitchFamily="18" charset="0"/>
+                                  </a:rPr>
+                                </m:ctrlPr>
+                              </m:sSubPr>
+                              <m:e>
+                                <m:r>
+                                  <a:rPr lang="en-GB" b="0" i="1" smtClean="0">
+                                    <a:latin typeface="Cambria Math" panose="02040503050406030204" pitchFamily="18" charset="0"/>
+                                    <a:ea typeface="Cambria Math" panose="02040503050406030204" pitchFamily="18" charset="0"/>
+                                  </a:rPr>
+                                  <m:t>𝐻</m:t>
+                                </m:r>
+                              </m:e>
+                              <m:sub>
+                                <m:r>
+                                  <a:rPr lang="en-GB" b="0" i="1" smtClean="0">
+                                    <a:latin typeface="Cambria Math" panose="02040503050406030204" pitchFamily="18" charset="0"/>
+                                    <a:ea typeface="Cambria Math" panose="02040503050406030204" pitchFamily="18" charset="0"/>
+                                  </a:rPr>
+                                  <m:t>𝐴</m:t>
+                                </m:r>
+                              </m:sub>
+                            </m:sSub>
+                          </m:e>
+                        </m:d>
+                      </m:num>
+                      <m:den>
+                        <m:r>
+                          <a:rPr lang="en-GB" b="0" i="1" smtClean="0">
+                            <a:latin typeface="Cambria Math" panose="02040503050406030204" pitchFamily="18" charset="0"/>
+                            <a:ea typeface="Cambria Math" panose="02040503050406030204" pitchFamily="18" charset="0"/>
+                          </a:rPr>
+                          <m:t>𝑃</m:t>
+                        </m:r>
+                        <m:d>
+                          <m:dPr>
+                            <m:ctrlPr>
+                              <a:rPr lang="en-GB" b="0" i="1" smtClean="0">
+                                <a:latin typeface="Cambria Math" panose="02040503050406030204" pitchFamily="18" charset="0"/>
+                                <a:ea typeface="Cambria Math" panose="02040503050406030204" pitchFamily="18" charset="0"/>
+                              </a:rPr>
+                            </m:ctrlPr>
+                          </m:dPr>
+                          <m:e>
+                            <m:r>
+                              <a:rPr lang="en-GB" b="0" i="1" smtClean="0">
+                                <a:latin typeface="Cambria Math" panose="02040503050406030204" pitchFamily="18" charset="0"/>
+                                <a:ea typeface="Cambria Math" panose="02040503050406030204" pitchFamily="18" charset="0"/>
+                              </a:rPr>
+                              <m:t>𝑑</m:t>
+                            </m:r>
+                          </m:e>
+                          <m:e>
+                            <m:sSub>
+                              <m:sSubPr>
+                                <m:ctrlPr>
+                                  <a:rPr lang="en-GB" b="0" i="1" smtClean="0">
+                                    <a:latin typeface="Cambria Math" panose="02040503050406030204" pitchFamily="18" charset="0"/>
+                                    <a:ea typeface="Cambria Math" panose="02040503050406030204" pitchFamily="18" charset="0"/>
+                                  </a:rPr>
+                                </m:ctrlPr>
+                              </m:sSubPr>
+                              <m:e>
+                                <m:r>
+                                  <a:rPr lang="en-GB" b="0" i="1" smtClean="0">
+                                    <a:latin typeface="Cambria Math" panose="02040503050406030204" pitchFamily="18" charset="0"/>
+                                    <a:ea typeface="Cambria Math" panose="02040503050406030204" pitchFamily="18" charset="0"/>
+                                  </a:rPr>
+                                  <m:t>𝐻</m:t>
+                                </m:r>
+                              </m:e>
+                              <m:sub>
+                                <m:r>
+                                  <a:rPr lang="en-GB" b="0" i="1" smtClean="0">
+                                    <a:latin typeface="Cambria Math" panose="02040503050406030204" pitchFamily="18" charset="0"/>
+                                    <a:ea typeface="Cambria Math" panose="02040503050406030204" pitchFamily="18" charset="0"/>
+                                  </a:rPr>
+                                  <m:t>𝐵</m:t>
+                                </m:r>
+                              </m:sub>
+                            </m:sSub>
+                          </m:e>
+                        </m:d>
+                      </m:den>
+                    </m:f>
+                  </m:oMath>
+                </a14:m>
+                <a:endParaRPr lang="en-GB" dirty="0">
+                  <a:ea typeface="Cambria Math" panose="02040503050406030204" pitchFamily="18" charset="0"/>
+                </a:endParaRPr>
+              </a:p>
+              <a:p>
+                <a:r>
+                  <a:rPr lang="en-GB" dirty="0"/>
+                  <a:t>The second term on the RHS is the </a:t>
+                </a:r>
+                <a:r>
+                  <a:rPr lang="en-GB" dirty="0">
+                    <a:solidFill>
+                      <a:srgbClr val="C00000"/>
+                    </a:solidFill>
+                  </a:rPr>
+                  <a:t>Bayes Factor</a:t>
+                </a:r>
+              </a:p>
+            </p:txBody>
+          </p:sp>
+        </mc:Choice>
+        <mc:Fallback>
+          <p:sp>
+            <p:nvSpPr>
+              <p:cNvPr id="3" name="Content Placeholder 2">
+                <a:extLst>
+                  <a:ext uri="{FF2B5EF4-FFF2-40B4-BE49-F238E27FC236}">
+                    <a16:creationId xmlns:a16="http://schemas.microsoft.com/office/drawing/2014/main" id="{54249909-118C-4424-A192-9255F3DF6B9A}"/>
+                  </a:ext>
+                </a:extLst>
+              </p:cNvPr>
+              <p:cNvSpPr>
+                <a:spLocks noGrp="1" noRot="1" noChangeAspect="1" noMove="1" noResize="1" noEditPoints="1" noAdjustHandles="1" noChangeArrowheads="1" noChangeShapeType="1" noTextEdit="1"/>
+              </p:cNvSpPr>
+              <p:nvPr>
+                <p:ph idx="1"/>
+              </p:nvPr>
+            </p:nvSpPr>
+            <p:spPr>
+              <a:blipFill>
+                <a:blip r:embed="rId2"/>
+                <a:stretch>
+                  <a:fillRect l="-1043"/>
+                </a:stretch>
+              </a:blipFill>
+            </p:spPr>
+            <p:txBody>
+              <a:bodyPr/>
+              <a:lstStyle/>
+              <a:p>
+                <a:r>
+                  <a:rPr lang="en-GB">
+                    <a:noFill/>
+                  </a:rPr>
+                  <a:t> </a:t>
+                </a:r>
+              </a:p>
+            </p:txBody>
+          </p:sp>
+        </mc:Fallback>
+      </mc:AlternateContent>
+    </p:spTree>
+    <p:extLst>
+      <p:ext uri="{BB962C8B-B14F-4D97-AF65-F5344CB8AC3E}">
+        <p14:creationId xmlns:p14="http://schemas.microsoft.com/office/powerpoint/2010/main" val="2269565204"/>
+      </p:ext>
+    </p:extLst>
+  </p:cSld>
+  <p:clrMapOvr>
+    <a:masterClrMapping/>
+  </p:clrMapOvr>
+  <p:timing>
+    <p:tnLst>
+      <p:par>
+        <p:cTn id="1" dur="indefinite" restart="never" nodeType="tmRoot">
+          <p:childTnLst>
+            <p:seq concurrent="1" nextAc="seek">
+              <p:cTn id="2" dur="indefinite" nodeType="mainSeq">
+                <p:childTnLst>
+                  <p:par>
+                    <p:cTn id="3" fill="hold">
+                      <p:stCondLst>
+                        <p:cond delay="indefinite"/>
+                      </p:stCondLst>
+                      <p:childTnLst>
+                        <p:par>
+                          <p:cTn id="4" fill="hold">
+                            <p:stCondLst>
+                              <p:cond delay="0"/>
+                            </p:stCondLst>
+                            <p:childTnLst>
+                              <p:par>
+                                <p:cTn id="5" presetID="1" presetClass="entr" presetSubtype="0" fill="hold" grpId="0" nodeType="clickEffect">
+                                  <p:stCondLst>
+                                    <p:cond delay="0"/>
+                                  </p:stCondLst>
+                                  <p:childTnLst>
+                                    <p:set>
+                                      <p:cBhvr>
+                                        <p:cTn id="6" dur="1" fill="hold">
+                                          <p:stCondLst>
+                                            <p:cond delay="0"/>
+                                          </p:stCondLst>
+                                        </p:cTn>
+                                        <p:tgtEl>
+                                          <p:spTgt spid="3">
+                                            <p:txEl>
+                                              <p:pRg st="0" end="0"/>
+                                            </p:txEl>
+                                          </p:spTgt>
+                                        </p:tgtEl>
+                                        <p:attrNameLst>
+                                          <p:attrName>style.visibility</p:attrName>
+                                        </p:attrNameLst>
+                                      </p:cBhvr>
+                                      <p:to>
+                                        <p:strVal val="visible"/>
+                                      </p:to>
+                                    </p:set>
+                                  </p:childTnLst>
+                                </p:cTn>
+                              </p:par>
+                            </p:childTnLst>
+                          </p:cTn>
+                        </p:par>
+                      </p:childTnLst>
+                    </p:cTn>
+                  </p:par>
+                  <p:par>
+                    <p:cTn id="7" fill="hold">
+                      <p:stCondLst>
+                        <p:cond delay="indefinite"/>
+                      </p:stCondLst>
+                      <p:childTnLst>
+                        <p:par>
+                          <p:cTn id="8" fill="hold">
+                            <p:stCondLst>
+                              <p:cond delay="0"/>
+                            </p:stCondLst>
+                            <p:childTnLst>
+                              <p:par>
+                                <p:cTn id="9" presetID="1" presetClass="entr" presetSubtype="0" fill="hold" grpId="0" nodeType="clickEffect">
+                                  <p:stCondLst>
+                                    <p:cond delay="0"/>
+                                  </p:stCondLst>
+                                  <p:childTnLst>
+                                    <p:set>
+                                      <p:cBhvr>
+                                        <p:cTn id="10" dur="1" fill="hold">
+                                          <p:stCondLst>
+                                            <p:cond delay="0"/>
+                                          </p:stCondLst>
+                                        </p:cTn>
+                                        <p:tgtEl>
+                                          <p:spTgt spid="3">
+                                            <p:txEl>
+                                              <p:pRg st="1" end="1"/>
+                                            </p:txEl>
+                                          </p:spTgt>
+                                        </p:tgtEl>
+                                        <p:attrNameLst>
+                                          <p:attrName>style.visibility</p:attrName>
+                                        </p:attrNameLst>
+                                      </p:cBhvr>
+                                      <p:to>
+                                        <p:strVal val="visible"/>
+                                      </p:to>
+                                    </p:set>
+                                  </p:childTnLst>
+                                </p:cTn>
+                              </p:par>
+                            </p:childTnLst>
+                          </p:cTn>
+                        </p:par>
+                      </p:childTnLst>
+                    </p:cTn>
+                  </p:par>
+                  <p:par>
+                    <p:cTn id="11" fill="hold">
+                      <p:stCondLst>
+                        <p:cond delay="indefinite"/>
+                      </p:stCondLst>
+                      <p:childTnLst>
+                        <p:par>
+                          <p:cTn id="12" fill="hold">
+                            <p:stCondLst>
+                              <p:cond delay="0"/>
+                            </p:stCondLst>
+                            <p:childTnLst>
+                              <p:par>
+                                <p:cTn id="13" presetID="1" presetClass="entr" presetSubtype="0" fill="hold" grpId="0" nodeType="clickEffect">
+                                  <p:stCondLst>
+                                    <p:cond delay="0"/>
+                                  </p:stCondLst>
+                                  <p:childTnLst>
+                                    <p:set>
+                                      <p:cBhvr>
+                                        <p:cTn id="14" dur="1" fill="hold">
+                                          <p:stCondLst>
+                                            <p:cond delay="0"/>
+                                          </p:stCondLst>
+                                        </p:cTn>
+                                        <p:tgtEl>
+                                          <p:spTgt spid="3">
+                                            <p:txEl>
+                                              <p:pRg st="2" end="2"/>
+                                            </p:txEl>
+                                          </p:spTgt>
+                                        </p:tgtEl>
+                                        <p:attrNameLst>
+                                          <p:attrName>style.visibility</p:attrName>
+                                        </p:attrNameLst>
+                                      </p:cBhvr>
+                                      <p:to>
+                                        <p:strVal val="visible"/>
+                                      </p:to>
+                                    </p:set>
+                                  </p:childTnLst>
+                                </p:cTn>
+                              </p:par>
+                            </p:childTnLst>
+                          </p:cTn>
+                        </p:par>
+                      </p:childTnLst>
+                    </p:cTn>
+                  </p:par>
+                </p:childTnLst>
+              </p:cTn>
+              <p:prevCondLst>
+                <p:cond evt="onPrev" delay="0">
+                  <p:tgtEl>
+                    <p:sldTgt/>
+                  </p:tgtEl>
+                </p:cond>
+              </p:prevCondLst>
+              <p:nextCondLst>
+                <p:cond evt="onNext" delay="0">
+                  <p:tgtEl>
+                    <p:sldTgt/>
+                  </p:tgtEl>
+                </p:cond>
+              </p:nextCondLst>
+            </p:seq>
+          </p:childTnLst>
+        </p:cTn>
+      </p:par>
+    </p:tnLst>
+    <p:bldLst>
+      <p:bldP spid="3" grpId="0" build="p"/>
+    </p:bldLst>
+  </p:timing>
+</p:sld>
+</file>
+
+<file path=ppt/slides/slide4.xml><?xml version="1.0" encoding="utf-8"?>
+<p:sld xmlns:a="http://schemas.openxmlformats.org/drawingml/2006/main" xmlns:r="http://schemas.openxmlformats.org/officeDocument/2006/relationships" xmlns:p="http://schemas.openxmlformats.org/presentationml/2006/main">
+  <p:cSld>
+    <p:spTree>
+      <p:nvGrpSpPr>
+        <p:cNvPr id="1" name=""/>
+        <p:cNvGrpSpPr/>
+        <p:nvPr/>
+      </p:nvGrpSpPr>
+      <p:grpSpPr>
+        <a:xfrm>
+          <a:off x="0" y="0"/>
+          <a:ext cx="0" cy="0"/>
+          <a:chOff x="0" y="0"/>
+          <a:chExt cx="0" cy="0"/>
+        </a:xfrm>
+      </p:grpSpPr>
+      <p:sp>
+        <p:nvSpPr>
+          <p:cNvPr id="2" name="Title 1">
+            <a:extLst>
+              <a:ext uri="{FF2B5EF4-FFF2-40B4-BE49-F238E27FC236}">
                 <a16:creationId xmlns:a16="http://schemas.microsoft.com/office/drawing/2014/main" id="{F7FE44A8-7B64-4C78-98A4-5A9D9239AD7F}"/>
               </a:ext>
             </a:extLst>
@@ -4534,7 +5189,7 @@
           <a:p>
             <a:r>
               <a:rPr lang="en-GB" dirty="0"/>
-              <a:t>A BF of around 1 means you can’t tell either way</a:t>
+              <a:t>A BF of around 1 means your data gives you no evidence either way</a:t>
             </a:r>
           </a:p>
           <a:p>
@@ -4915,7 +5570,7 @@
 </p:sld>
 </file>
 
-<file path=ppt/slides/slide4.xml><?xml version="1.0" encoding="utf-8"?>
+<file path=ppt/slides/slide5.xml><?xml version="1.0" encoding="utf-8"?>
 <p:sld xmlns:a="http://schemas.openxmlformats.org/drawingml/2006/main" xmlns:r="http://schemas.openxmlformats.org/officeDocument/2006/relationships" xmlns:p="http://schemas.openxmlformats.org/presentationml/2006/main">
   <p:cSld>
     <p:spTree>
@@ -4989,7 +5644,7 @@
             <p:spPr/>
             <p:txBody>
               <a:bodyPr>
-                <a:normAutofit fontScale="85000" lnSpcReduction="20000"/>
+                <a:normAutofit fontScale="92500" lnSpcReduction="20000"/>
               </a:bodyPr>
               <a:lstStyle/>
               <a:p>
@@ -5071,73 +5726,6 @@
                         </m:sSub>
                       </m:e>
                     </m:d>
-                  </m:oMath>
-                </a14:m>
-                <a:endParaRPr lang="en-GB" b="0" dirty="0"/>
-              </a:p>
-              <a:p>
-                <a:r>
-                  <a:rPr lang="en-GB" dirty="0"/>
-                  <a:t>But we wanted to know </a:t>
-                </a:r>
-                <a14:m>
-                  <m:oMath xmlns:m="http://schemas.openxmlformats.org/officeDocument/2006/math">
-                    <m:r>
-                      <a:rPr lang="en-GB" b="0" i="1" smtClean="0">
-                        <a:latin typeface="Cambria Math" panose="02040503050406030204" pitchFamily="18" charset="0"/>
-                      </a:rPr>
-                      <m:t>𝑃</m:t>
-                    </m:r>
-                    <m:d>
-                      <m:dPr>
-                        <m:ctrlPr>
-                          <a:rPr lang="en-GB" b="0" i="1" smtClean="0">
-                            <a:latin typeface="Cambria Math" panose="02040503050406030204" pitchFamily="18" charset="0"/>
-                          </a:rPr>
-                        </m:ctrlPr>
-                      </m:dPr>
-                      <m:e>
-                        <m:sSub>
-                          <m:sSubPr>
-                            <m:ctrlPr>
-                              <a:rPr lang="en-GB" b="0" i="1" smtClean="0">
-                                <a:latin typeface="Cambria Math" panose="02040503050406030204" pitchFamily="18" charset="0"/>
-                              </a:rPr>
-                            </m:ctrlPr>
-                          </m:sSubPr>
-                          <m:e>
-                            <m:r>
-                              <a:rPr lang="en-GB" b="0" i="1" smtClean="0">
-                                <a:latin typeface="Cambria Math" panose="02040503050406030204" pitchFamily="18" charset="0"/>
-                              </a:rPr>
-                              <m:t>𝐻</m:t>
-                            </m:r>
-                          </m:e>
-                          <m:sub>
-                            <m:r>
-                              <a:rPr lang="en-GB" b="0" i="1" smtClean="0">
-                                <a:latin typeface="Cambria Math" panose="02040503050406030204" pitchFamily="18" charset="0"/>
-                              </a:rPr>
-                              <m:t>0</m:t>
-                            </m:r>
-                          </m:sub>
-                        </m:sSub>
-                      </m:e>
-                      <m:e>
-                        <m:r>
-                          <a:rPr lang="en-GB" b="0" i="1" smtClean="0">
-                            <a:latin typeface="Cambria Math" panose="02040503050406030204" pitchFamily="18" charset="0"/>
-                          </a:rPr>
-                          <m:t>𝑑</m:t>
-                        </m:r>
-                      </m:e>
-                    </m:d>
-                    <m:r>
-                      <a:rPr lang="en-GB" b="0" i="1" smtClean="0">
-                        <a:latin typeface="Cambria Math" panose="02040503050406030204" pitchFamily="18" charset="0"/>
-                      </a:rPr>
-                      <m:t>!</m:t>
-                    </m:r>
                   </m:oMath>
                 </a14:m>
                 <a:endParaRPr lang="en-GB" b="0" dirty="0"/>
@@ -5354,7 +5942,7 @@
               <a:blipFill>
                 <a:blip r:embed="rId2"/>
                 <a:stretch>
-                  <a:fillRect l="-812" t="-3221" r="-812"/>
+                  <a:fillRect l="-928" t="-3501"/>
                 </a:stretch>
               </a:blipFill>
             </p:spPr>
@@ -5685,55 +6273,6 @@
                       </p:childTnLst>
                     </p:cTn>
                   </p:par>
-                  <p:par>
-                    <p:cTn id="27" fill="hold">
-                      <p:stCondLst>
-                        <p:cond delay="indefinite"/>
-                      </p:stCondLst>
-                      <p:childTnLst>
-                        <p:par>
-                          <p:cTn id="28" fill="hold">
-                            <p:stCondLst>
-                              <p:cond delay="0"/>
-                            </p:stCondLst>
-                            <p:childTnLst>
-                              <p:par>
-                                <p:cTn id="29" presetID="1" presetClass="entr" presetSubtype="0" fill="hold" grpId="0" nodeType="clickEffect">
-                                  <p:stCondLst>
-                                    <p:cond delay="0"/>
-                                  </p:stCondLst>
-                                  <p:childTnLst>
-                                    <p:set>
-                                      <p:cBhvr>
-                                        <p:cTn id="30" dur="1" fill="hold">
-                                          <p:stCondLst>
-                                            <p:cond delay="0"/>
-                                          </p:stCondLst>
-                                        </p:cTn>
-                                        <p:tgtEl>
-                                          <p:spTgt spid="3">
-                                            <p:txEl>
-                                              <p:pRg st="6" end="6"/>
-                                            </p:txEl>
-                                          </p:spTgt>
-                                        </p:tgtEl>
-                                        <p:attrNameLst>
-                                          <p:attrName>style.visibility</p:attrName>
-                                        </p:attrNameLst>
-                                      </p:cBhvr>
-                                      <p:to>
-                                        <p:strVal val="visible"/>
-                                      </p:to>
-                                    </p:set>
-                                  </p:childTnLst>
-                                </p:cTn>
-                              </p:par>
-                            </p:childTnLst>
-                          </p:cTn>
-                        </p:par>
-                      </p:childTnLst>
-                    </p:cTn>
-                  </p:par>
                 </p:childTnLst>
               </p:cTn>
               <p:prevCondLst>
@@ -5762,7 +6301,7 @@
 </p:sld>
 </file>
 
-<file path=ppt/slides/slide5.xml><?xml version="1.0" encoding="utf-8"?>
+<file path=ppt/slides/slide6.xml><?xml version="1.0" encoding="utf-8"?>
 <p:sld xmlns:a="http://schemas.openxmlformats.org/drawingml/2006/main" xmlns:r="http://schemas.openxmlformats.org/officeDocument/2006/relationships" xmlns:p="http://schemas.openxmlformats.org/presentationml/2006/main">
   <p:cSld>
     <p:spTree>
@@ -6116,7 +6655,7 @@
 </p:sld>
 </file>
 
-<file path=ppt/slides/slide6.xml><?xml version="1.0" encoding="utf-8"?>
+<file path=ppt/slides/slide7.xml><?xml version="1.0" encoding="utf-8"?>
 <p:sld xmlns:a="http://schemas.openxmlformats.org/drawingml/2006/main" xmlns:r="http://schemas.openxmlformats.org/officeDocument/2006/relationships" xmlns:p="http://schemas.openxmlformats.org/presentationml/2006/main">
   <p:cSld>
     <p:spTree>
@@ -6491,7 +7030,7 @@
 </p:sld>
 </file>
 
-<file path=ppt/slides/slide7.xml><?xml version="1.0" encoding="utf-8"?>
+<file path=ppt/slides/slide8.xml><?xml version="1.0" encoding="utf-8"?>
 <p:sld xmlns:a="http://schemas.openxmlformats.org/drawingml/2006/main" xmlns:r="http://schemas.openxmlformats.org/officeDocument/2006/relationships" xmlns:p="http://schemas.openxmlformats.org/presentationml/2006/main">
   <p:cSld>
     <p:spTree>
@@ -7477,6 +8016,173 @@
 </p:sld>
 </file>
 
+<file path=ppt/slides/slide9.xml><?xml version="1.0" encoding="utf-8"?>
+<p:sld xmlns:a="http://schemas.openxmlformats.org/drawingml/2006/main" xmlns:r="http://schemas.openxmlformats.org/officeDocument/2006/relationships" xmlns:p="http://schemas.openxmlformats.org/presentationml/2006/main">
+  <p:cSld>
+    <p:spTree>
+      <p:nvGrpSpPr>
+        <p:cNvPr id="1" name=""/>
+        <p:cNvGrpSpPr/>
+        <p:nvPr/>
+      </p:nvGrpSpPr>
+      <p:grpSpPr>
+        <a:xfrm>
+          <a:off x="0" y="0"/>
+          <a:ext cx="0" cy="0"/>
+          <a:chOff x="0" y="0"/>
+          <a:chExt cx="0" cy="0"/>
+        </a:xfrm>
+      </p:grpSpPr>
+      <p:sp>
+        <p:nvSpPr>
+          <p:cNvPr id="2" name="Title 1">
+            <a:extLst>
+              <a:ext uri="{FF2B5EF4-FFF2-40B4-BE49-F238E27FC236}">
+                <a16:creationId xmlns:a16="http://schemas.microsoft.com/office/drawing/2014/main" id="{6B4E1D06-D09F-42F6-B82B-D31527266548}"/>
+              </a:ext>
+            </a:extLst>
+          </p:cNvPr>
+          <p:cNvSpPr>
+            <a:spLocks noGrp="1"/>
+          </p:cNvSpPr>
+          <p:nvPr>
+            <p:ph type="title"/>
+          </p:nvPr>
+        </p:nvSpPr>
+        <p:spPr/>
+        <p:txBody>
+          <a:bodyPr/>
+          <a:lstStyle/>
+          <a:p>
+            <a:r>
+              <a:rPr lang="en-GB" dirty="0"/>
+              <a:t>Worked example</a:t>
+            </a:r>
+          </a:p>
+        </p:txBody>
+      </p:sp>
+      <p:sp>
+        <p:nvSpPr>
+          <p:cNvPr id="4" name="Content Placeholder 3">
+            <a:extLst>
+              <a:ext uri="{FF2B5EF4-FFF2-40B4-BE49-F238E27FC236}">
+                <a16:creationId xmlns:a16="http://schemas.microsoft.com/office/drawing/2014/main" id="{A282B22E-2926-4472-9AE9-5DE3B65EF25F}"/>
+              </a:ext>
+            </a:extLst>
+          </p:cNvPr>
+          <p:cNvSpPr>
+            <a:spLocks noGrp="1"/>
+          </p:cNvSpPr>
+          <p:nvPr>
+            <p:ph idx="1"/>
+          </p:nvPr>
+        </p:nvSpPr>
+        <p:spPr/>
+        <p:txBody>
+          <a:bodyPr/>
+          <a:lstStyle/>
+          <a:p>
+            <a:r>
+              <a:rPr lang="en-GB" dirty="0"/>
+              <a:t>Data and code at: </a:t>
+            </a:r>
+          </a:p>
+          <a:p>
+            <a:pPr lvl="1"/>
+            <a:r>
+              <a:rPr lang="en-GB" dirty="0">
+                <a:hlinkClick r:id="rId2"/>
+              </a:rPr>
+              <a:t>https://github.com/danielnettle/BayesFactor</a:t>
+            </a:r>
+            <a:endParaRPr lang="en-GB" dirty="0"/>
+          </a:p>
+          <a:p>
+            <a:r>
+              <a:rPr lang="en-GB" dirty="0"/>
+              <a:t>This is very useful for </a:t>
+            </a:r>
+            <a:r>
+              <a:rPr lang="en-GB" dirty="0" err="1"/>
+              <a:t>BayesFactor</a:t>
+            </a:r>
+            <a:r>
+              <a:rPr lang="en-GB" dirty="0"/>
+              <a:t> package:</a:t>
+            </a:r>
+          </a:p>
+          <a:p>
+            <a:pPr lvl="1"/>
+            <a:r>
+              <a:rPr lang="en-GB" dirty="0"/>
+              <a:t> </a:t>
+            </a:r>
+            <a:r>
+              <a:rPr lang="en-GB" dirty="0">
+                <a:hlinkClick r:id="rId3"/>
+              </a:rPr>
+              <a:t>https://richarddmorey.github.io/BayesFactor/</a:t>
+            </a:r>
+            <a:endParaRPr lang="en-GB" dirty="0"/>
+          </a:p>
+          <a:p>
+            <a:r>
+              <a:rPr lang="en-GB" dirty="0"/>
+              <a:t>And these more generally on calculating Bayes Factors in R:</a:t>
+            </a:r>
+          </a:p>
+          <a:p>
+            <a:pPr lvl="1"/>
+            <a:r>
+              <a:rPr lang="en-GB" dirty="0">
+                <a:hlinkClick r:id="rId4"/>
+              </a:rPr>
+              <a:t>https://rpubs.com/lindeloev/bayes_factors</a:t>
+            </a:r>
+            <a:endParaRPr lang="en-GB" dirty="0"/>
+          </a:p>
+          <a:p>
+            <a:pPr lvl="1"/>
+            <a:r>
+              <a:rPr lang="en-GB" dirty="0">
+                <a:hlinkClick r:id="rId5"/>
+              </a:rPr>
+              <a:t>https://easystats.github.io/bayestestR/articles/bayes_factors.html</a:t>
+            </a:r>
+            <a:r>
+              <a:rPr lang="en-GB" dirty="0"/>
+              <a:t> (though this one introduces yet another package, </a:t>
+            </a:r>
+            <a:r>
+              <a:rPr lang="en-GB" dirty="0" err="1"/>
+              <a:t>BayesTestR</a:t>
+            </a:r>
+            <a:r>
+              <a:rPr lang="en-GB" dirty="0"/>
+              <a:t>)</a:t>
+            </a:r>
+          </a:p>
+          <a:p>
+            <a:endParaRPr lang="en-GB" dirty="0"/>
+          </a:p>
+          <a:p>
+            <a:endParaRPr lang="en-GB" dirty="0"/>
+          </a:p>
+        </p:txBody>
+      </p:sp>
+    </p:spTree>
+    <p:extLst>
+      <p:ext uri="{BB962C8B-B14F-4D97-AF65-F5344CB8AC3E}">
+        <p14:creationId xmlns:p14="http://schemas.microsoft.com/office/powerpoint/2010/main" val="2062762162"/>
+      </p:ext>
+    </p:extLst>
+  </p:cSld>
+  <p:clrMapOvr>
+    <a:masterClrMapping/>
+  </p:clrMapOvr>
+</p:sld>
+</file>
+
 <file path=ppt/theme/theme1.xml><?xml version="1.0" encoding="utf-8"?>
 <a:theme xmlns:a="http://schemas.openxmlformats.org/drawingml/2006/main" name="Office Theme">
   <a:themeElements>
